--- a/Pipelines flowchart.pptx
+++ b/Pipelines flowchart.pptx
@@ -105,6 +105,11 @@
       </a:defRPr>
     </a:lvl9pPr>
   </p:defaultTextStyle>
+  <p:extLst>
+    <p:ext uri="{EFAFB233-063F-42B5-8137-9DF3F51BA10A}">
+      <p15:sldGuideLst xmlns:p15="http://schemas.microsoft.com/office/powerpoint/2012/main"/>
+    </p:ext>
+  </p:extLst>
 </p:presentation>
 </file>
 
@@ -239,7 +244,7 @@
           <a:p>
             <a:fld id="{984634A4-9B46-4A40-8427-031D653CE65D}" type="datetimeFigureOut">
               <a:rPr lang="en-US" smtClean="0"/>
-              <a:t>8/18/2023</a:t>
+              <a:t>9/9/2023</a:t>
             </a:fld>
             <a:endParaRPr lang="en-US" dirty="0"/>
           </a:p>
@@ -409,7 +414,7 @@
           <a:p>
             <a:fld id="{984634A4-9B46-4A40-8427-031D653CE65D}" type="datetimeFigureOut">
               <a:rPr lang="en-US" smtClean="0"/>
-              <a:t>8/18/2023</a:t>
+              <a:t>9/9/2023</a:t>
             </a:fld>
             <a:endParaRPr lang="en-US" dirty="0"/>
           </a:p>
@@ -589,7 +594,7 @@
           <a:p>
             <a:fld id="{984634A4-9B46-4A40-8427-031D653CE65D}" type="datetimeFigureOut">
               <a:rPr lang="en-US" smtClean="0"/>
-              <a:t>8/18/2023</a:t>
+              <a:t>9/9/2023</a:t>
             </a:fld>
             <a:endParaRPr lang="en-US" dirty="0"/>
           </a:p>
@@ -759,7 +764,7 @@
           <a:p>
             <a:fld id="{984634A4-9B46-4A40-8427-031D653CE65D}" type="datetimeFigureOut">
               <a:rPr lang="en-US" smtClean="0"/>
-              <a:t>8/18/2023</a:t>
+              <a:t>9/9/2023</a:t>
             </a:fld>
             <a:endParaRPr lang="en-US" dirty="0"/>
           </a:p>
@@ -1003,7 +1008,7 @@
           <a:p>
             <a:fld id="{984634A4-9B46-4A40-8427-031D653CE65D}" type="datetimeFigureOut">
               <a:rPr lang="en-US" smtClean="0"/>
-              <a:t>8/18/2023</a:t>
+              <a:t>9/9/2023</a:t>
             </a:fld>
             <a:endParaRPr lang="en-US" dirty="0"/>
           </a:p>
@@ -1235,7 +1240,7 @@
           <a:p>
             <a:fld id="{984634A4-9B46-4A40-8427-031D653CE65D}" type="datetimeFigureOut">
               <a:rPr lang="en-US" smtClean="0"/>
-              <a:t>8/18/2023</a:t>
+              <a:t>9/9/2023</a:t>
             </a:fld>
             <a:endParaRPr lang="en-US" dirty="0"/>
           </a:p>
@@ -1602,7 +1607,7 @@
           <a:p>
             <a:fld id="{984634A4-9B46-4A40-8427-031D653CE65D}" type="datetimeFigureOut">
               <a:rPr lang="en-US" smtClean="0"/>
-              <a:t>8/18/2023</a:t>
+              <a:t>9/9/2023</a:t>
             </a:fld>
             <a:endParaRPr lang="en-US" dirty="0"/>
           </a:p>
@@ -1720,7 +1725,7 @@
           <a:p>
             <a:fld id="{984634A4-9B46-4A40-8427-031D653CE65D}" type="datetimeFigureOut">
               <a:rPr lang="en-US" smtClean="0"/>
-              <a:t>8/18/2023</a:t>
+              <a:t>9/9/2023</a:t>
             </a:fld>
             <a:endParaRPr lang="en-US" dirty="0"/>
           </a:p>
@@ -1815,7 +1820,7 @@
           <a:p>
             <a:fld id="{984634A4-9B46-4A40-8427-031D653CE65D}" type="datetimeFigureOut">
               <a:rPr lang="en-US" smtClean="0"/>
-              <a:t>8/18/2023</a:t>
+              <a:t>9/9/2023</a:t>
             </a:fld>
             <a:endParaRPr lang="en-US" dirty="0"/>
           </a:p>
@@ -2092,7 +2097,7 @@
           <a:p>
             <a:fld id="{984634A4-9B46-4A40-8427-031D653CE65D}" type="datetimeFigureOut">
               <a:rPr lang="en-US" smtClean="0"/>
-              <a:t>8/18/2023</a:t>
+              <a:t>9/9/2023</a:t>
             </a:fld>
             <a:endParaRPr lang="en-US" dirty="0"/>
           </a:p>
@@ -2348,7 +2353,7 @@
           <a:p>
             <a:fld id="{984634A4-9B46-4A40-8427-031D653CE65D}" type="datetimeFigureOut">
               <a:rPr lang="en-US" smtClean="0"/>
-              <a:t>8/18/2023</a:t>
+              <a:t>9/9/2023</a:t>
             </a:fld>
             <a:endParaRPr lang="en-US" dirty="0"/>
           </a:p>
@@ -2561,7 +2566,7 @@
           <a:p>
             <a:fld id="{984634A4-9B46-4A40-8427-031D653CE65D}" type="datetimeFigureOut">
               <a:rPr lang="en-US" smtClean="0"/>
-              <a:t>8/18/2023</a:t>
+              <a:t>9/9/2023</a:t>
             </a:fld>
             <a:endParaRPr lang="en-US" dirty="0"/>
           </a:p>
@@ -3558,7 +3563,7 @@
         </p:nvSpPr>
         <p:spPr>
           <a:xfrm>
-            <a:off x="2394856" y="933002"/>
+            <a:off x="2394856" y="2969982"/>
             <a:ext cx="1545771" cy="593269"/>
           </a:xfrm>
           <a:prstGeom prst="homePlate">
@@ -3806,8 +3811,8 @@
         </p:nvCxnSpPr>
         <p:spPr>
           <a:xfrm>
-            <a:off x="3019423" y="1526270"/>
-            <a:ext cx="10886" cy="3441246"/>
+            <a:off x="3019424" y="3563251"/>
+            <a:ext cx="10887" cy="1404267"/>
           </a:xfrm>
           <a:prstGeom prst="straightConnector1">
             <a:avLst/>
@@ -3884,7 +3889,7 @@
             </a:r>
             <a:r>
               <a:rPr lang="en-US" sz="1200" dirty="0"/>
-              <a:t>: Dict of IE</a:t>
+              <a:t>: List of IE</a:t>
             </a:r>
             <a:endParaRPr lang="en-US" sz="1200" b="1" dirty="0"/>
           </a:p>
@@ -5095,7 +5100,7 @@
             </a:r>
             <a:r>
               <a:rPr lang="en-US" sz="1200" dirty="0"/>
-              <a:t>: Dict of IE</a:t>
+              <a:t>: List of IE</a:t>
             </a:r>
             <a:endParaRPr lang="en-US" sz="1200" b="1" dirty="0"/>
           </a:p>
@@ -7667,7 +7672,7 @@
             </a:r>
             <a:r>
               <a:rPr lang="en-US" sz="1200" dirty="0"/>
-              <a:t>: Dict of IE</a:t>
+              <a:t>: List of IE</a:t>
             </a:r>
             <a:endParaRPr lang="en-US" sz="1200" b="1" dirty="0"/>
           </a:p>
@@ -8134,7 +8139,7 @@
             </a:r>
             <a:r>
               <a:rPr lang="en-US" sz="1200" dirty="0"/>
-              <a:t>: Dict of IE</a:t>
+              <a:t>: List of IE</a:t>
             </a:r>
             <a:endParaRPr lang="en-US" sz="1200" b="1" dirty="0"/>
           </a:p>
